--- a/slides/05 - E5 - MongoDB Intro.pptx
+++ b/slides/05 - E5 - MongoDB Intro.pptx
@@ -226,7 +226,7 @@
           <a:p>
             <a:fld id="{8C81D565-392B-4AB9-9647-420EF17AA3FC}" type="datetimeFigureOut">
               <a:rPr lang="it-IT" smtClean="0"/>
-              <a:t>14/12/2021</a:t>
+              <a:t>22/12/2021</a:t>
             </a:fld>
             <a:endParaRPr lang="it-IT" dirty="0"/>
           </a:p>
@@ -384,7 +384,7 @@
           <a:p>
             <a:fld id="{B38CEA09-33FA-4F6C-9D30-5FB0AA0E11C3}" type="slidenum">
               <a:rPr lang="it-IT" smtClean="0"/>
-              <a:t>‹#›</a:t>
+              <a:t>‹N›</a:t>
             </a:fld>
             <a:endParaRPr lang="it-IT" dirty="0"/>
           </a:p>
@@ -1087,7 +1087,7 @@
           <a:p>
             <a:fld id="{65061730-2F0F-4B55-83F4-33856D80FFD7}" type="datetime1">
               <a:rPr lang="en-US" smtClean="0"/>
-              <a:t>12/14/2021</a:t>
+              <a:t>12/22/2021</a:t>
             </a:fld>
             <a:endParaRPr lang="en-US" dirty="0"/>
           </a:p>
@@ -1129,7 +1129,7 @@
           <a:p>
             <a:fld id="{4FAB73BC-B049-4115-A692-8D63A059BFB8}" type="slidenum">
               <a:rPr lang="en-US" smtClean="0"/>
-              <a:t>‹#›</a:t>
+              <a:t>‹N›</a:t>
             </a:fld>
             <a:endParaRPr lang="en-US" dirty="0"/>
           </a:p>
@@ -1295,7 +1295,7 @@
           <a:p>
             <a:fld id="{BE1035D6-F845-4530-B289-DD4EC9CAE501}" type="datetime1">
               <a:rPr lang="en-US" smtClean="0"/>
-              <a:t>12/14/2021</a:t>
+              <a:t>12/22/2021</a:t>
             </a:fld>
             <a:endParaRPr lang="en-US" dirty="0"/>
           </a:p>
@@ -1337,7 +1337,7 @@
           <a:p>
             <a:fld id="{4FAB73BC-B049-4115-A692-8D63A059BFB8}" type="slidenum">
               <a:rPr lang="en-US" smtClean="0"/>
-              <a:t>‹#›</a:t>
+              <a:t>‹N›</a:t>
             </a:fld>
             <a:endParaRPr lang="en-US" dirty="0"/>
           </a:p>
@@ -1551,7 +1551,7 @@
           <a:p>
             <a:fld id="{EDD3DE46-844C-40F1-AAA7-78AD6518D44C}" type="datetime1">
               <a:rPr lang="en-US" smtClean="0"/>
-              <a:t>12/14/2021</a:t>
+              <a:t>12/22/2021</a:t>
             </a:fld>
             <a:endParaRPr lang="en-US" dirty="0"/>
           </a:p>
@@ -1594,7 +1594,7 @@
             <a:fld id="{4FAB73BC-B049-4115-A692-8D63A059BFB8}" type="slidenum">
               <a:rPr lang="en-US" smtClean="0"/>
               <a:pPr/>
-              <a:t>‹#›</a:t>
+              <a:t>‹N›</a:t>
             </a:fld>
             <a:endParaRPr lang="en-US" dirty="0"/>
           </a:p>
@@ -1723,7 +1723,7 @@
           <a:p>
             <a:fld id="{1FCF7768-7A83-43C9-9C3D-95CD5F68D7E2}" type="datetime1">
               <a:rPr lang="en-US" smtClean="0"/>
-              <a:t>12/14/2021</a:t>
+              <a:t>12/22/2021</a:t>
             </a:fld>
             <a:endParaRPr lang="en-US" dirty="0"/>
           </a:p>
@@ -1765,7 +1765,7 @@
           <a:p>
             <a:fld id="{629637A9-119A-49DA-BD12-AAC58B377D80}" type="slidenum">
               <a:rPr lang="en-US" smtClean="0"/>
-              <a:t>‹#›</a:t>
+              <a:t>‹N›</a:t>
             </a:fld>
             <a:endParaRPr lang="en-US" dirty="0"/>
           </a:p>
@@ -2066,7 +2066,7 @@
           <a:p>
             <a:fld id="{58DD30C4-1715-4BC2-976F-EF7BA4DC70B4}" type="datetime1">
               <a:rPr lang="en-US" smtClean="0"/>
-              <a:t>12/14/2021</a:t>
+              <a:t>12/22/2021</a:t>
             </a:fld>
             <a:endParaRPr lang="en-US" dirty="0"/>
           </a:p>
@@ -2108,7 +2108,7 @@
           <a:p>
             <a:fld id="{4FAB73BC-B049-4115-A692-8D63A059BFB8}" type="slidenum">
               <a:rPr lang="en-US" smtClean="0"/>
-              <a:t>‹#›</a:t>
+              <a:t>‹N›</a:t>
             </a:fld>
             <a:endParaRPr lang="en-US" dirty="0"/>
           </a:p>
@@ -2341,7 +2341,7 @@
           <a:p>
             <a:fld id="{E92CF10C-564E-48D4-BE3A-05BB93A7F107}" type="datetime1">
               <a:rPr lang="en-US" smtClean="0"/>
-              <a:t>12/14/2021</a:t>
+              <a:t>12/22/2021</a:t>
             </a:fld>
             <a:endParaRPr lang="en-US" dirty="0"/>
           </a:p>
@@ -2383,7 +2383,7 @@
           <a:p>
             <a:fld id="{4FAB73BC-B049-4115-A692-8D63A059BFB8}" type="slidenum">
               <a:rPr lang="en-US" smtClean="0"/>
-              <a:t>‹#›</a:t>
+              <a:t>‹N›</a:t>
             </a:fld>
             <a:endParaRPr lang="en-US" dirty="0"/>
           </a:p>
@@ -2720,7 +2720,7 @@
           <a:p>
             <a:fld id="{CEF5B9DB-33AD-46E7-ADFD-C52815BFEA09}" type="datetime1">
               <a:rPr lang="en-US" smtClean="0"/>
-              <a:t>12/14/2021</a:t>
+              <a:t>12/22/2021</a:t>
             </a:fld>
             <a:endParaRPr lang="en-US" dirty="0"/>
           </a:p>
@@ -2762,7 +2762,7 @@
           <a:p>
             <a:fld id="{4FAB73BC-B049-4115-A692-8D63A059BFB8}" type="slidenum">
               <a:rPr lang="en-US" smtClean="0"/>
-              <a:t>‹#›</a:t>
+              <a:t>‹N›</a:t>
             </a:fld>
             <a:endParaRPr lang="en-US" dirty="0"/>
           </a:p>
@@ -2838,7 +2838,7 @@
           <a:p>
             <a:fld id="{EFC02824-932F-46A1-8D0D-D52979BEE663}" type="datetime1">
               <a:rPr lang="en-US" smtClean="0"/>
-              <a:t>12/14/2021</a:t>
+              <a:t>12/22/2021</a:t>
             </a:fld>
             <a:endParaRPr lang="en-US" dirty="0"/>
           </a:p>
@@ -2880,7 +2880,7 @@
           <a:p>
             <a:fld id="{4FAB73BC-B049-4115-A692-8D63A059BFB8}" type="slidenum">
               <a:rPr lang="en-US" smtClean="0"/>
-              <a:t>‹#›</a:t>
+              <a:t>‹N›</a:t>
             </a:fld>
             <a:endParaRPr lang="en-US" dirty="0"/>
           </a:p>
@@ -3009,7 +3009,7 @@
           <a:p>
             <a:fld id="{36233CB2-1968-4F08-9AB4-83693145DE18}" type="datetime1">
               <a:rPr lang="en-US" smtClean="0"/>
-              <a:t>12/14/2021</a:t>
+              <a:t>12/22/2021</a:t>
             </a:fld>
             <a:endParaRPr lang="en-US" dirty="0"/>
           </a:p>
@@ -3060,7 +3060,7 @@
             <a:fld id="{4FAB73BC-B049-4115-A692-8D63A059BFB8}" type="slidenum">
               <a:rPr lang="en-US" smtClean="0"/>
               <a:pPr/>
-              <a:t>‹#›</a:t>
+              <a:t>‹N›</a:t>
             </a:fld>
             <a:endParaRPr lang="en-US" dirty="0"/>
           </a:p>
@@ -3364,7 +3364,7 @@
           <a:p>
             <a:fld id="{F8F6D7E5-1322-4764-A2E4-7B71FFFDE726}" type="datetime1">
               <a:rPr lang="en-US" smtClean="0"/>
-              <a:t>12/14/2021</a:t>
+              <a:t>12/22/2021</a:t>
             </a:fld>
             <a:endParaRPr lang="en-US" dirty="0"/>
           </a:p>
@@ -3428,7 +3428,7 @@
             <a:fld id="{4FAB73BC-B049-4115-A692-8D63A059BFB8}" type="slidenum">
               <a:rPr lang="en-US" smtClean="0"/>
               <a:pPr/>
-              <a:t>‹#›</a:t>
+              <a:t>‹N›</a:t>
             </a:fld>
             <a:endParaRPr lang="en-US" dirty="0"/>
           </a:p>
@@ -3742,7 +3742,7 @@
           <a:p>
             <a:fld id="{E26D0A1A-929F-4DC6-9A8A-74A15252C912}" type="datetime1">
               <a:rPr lang="en-US" smtClean="0"/>
-              <a:t>12/14/2021</a:t>
+              <a:t>12/22/2021</a:t>
             </a:fld>
             <a:endParaRPr lang="en-US" dirty="0"/>
           </a:p>
@@ -3784,7 +3784,7 @@
           <a:p>
             <a:fld id="{4FAB73BC-B049-4115-A692-8D63A059BFB8}" type="slidenum">
               <a:rPr lang="en-US" smtClean="0"/>
-              <a:t>‹#›</a:t>
+              <a:t>‹N›</a:t>
             </a:fld>
             <a:endParaRPr lang="en-US" dirty="0"/>
           </a:p>
@@ -4029,7 +4029,7 @@
           <a:p>
             <a:fld id="{EDD3DE46-844C-40F1-AAA7-78AD6518D44C}" type="datetime1">
               <a:rPr lang="en-US" smtClean="0"/>
-              <a:t>12/14/2021</a:t>
+              <a:t>12/22/2021</a:t>
             </a:fld>
             <a:endParaRPr lang="en-US" dirty="0"/>
           </a:p>
@@ -4104,7 +4104,7 @@
             <a:fld id="{4FAB73BC-B049-4115-A692-8D63A059BFB8}" type="slidenum">
               <a:rPr lang="en-US" smtClean="0"/>
               <a:pPr/>
-              <a:t>‹#›</a:t>
+              <a:t>‹N›</a:t>
             </a:fld>
             <a:endParaRPr lang="en-US" dirty="0"/>
           </a:p>
@@ -7541,8 +7541,21 @@
                   <a:srgbClr val="FF0000"/>
                 </a:solidFill>
               </a:rPr>
-              <a:t> di valore</a:t>
-            </a:r>
+              <a:t> </a:t>
+            </a:r>
+            <a:r>
+              <a:rPr lang="it-IT" noProof="0">
+                <a:solidFill>
+                  <a:srgbClr val="FF0000"/>
+                </a:solidFill>
+              </a:rPr>
+              <a:t>di valori</a:t>
+            </a:r>
+            <a:endParaRPr lang="it-IT" noProof="0" dirty="0">
+              <a:solidFill>
+                <a:srgbClr val="FF0000"/>
+              </a:solidFill>
+            </a:endParaRPr>
           </a:p>
           <a:p>
             <a:pPr lvl="1"/>

--- a/slides/05 - E5 - MongoDB Intro.pptx
+++ b/slides/05 - E5 - MongoDB Intro.pptx
@@ -226,7 +226,7 @@
           <a:p>
             <a:fld id="{8C81D565-392B-4AB9-9647-420EF17AA3FC}" type="datetimeFigureOut">
               <a:rPr lang="it-IT" smtClean="0"/>
-              <a:t>22/12/2021</a:t>
+              <a:t>27/12/2021</a:t>
             </a:fld>
             <a:endParaRPr lang="it-IT" dirty="0"/>
           </a:p>
@@ -1087,7 +1087,7 @@
           <a:p>
             <a:fld id="{65061730-2F0F-4B55-83F4-33856D80FFD7}" type="datetime1">
               <a:rPr lang="en-US" smtClean="0"/>
-              <a:t>12/22/2021</a:t>
+              <a:t>12/27/2021</a:t>
             </a:fld>
             <a:endParaRPr lang="en-US" dirty="0"/>
           </a:p>
@@ -1295,7 +1295,7 @@
           <a:p>
             <a:fld id="{BE1035D6-F845-4530-B289-DD4EC9CAE501}" type="datetime1">
               <a:rPr lang="en-US" smtClean="0"/>
-              <a:t>12/22/2021</a:t>
+              <a:t>12/27/2021</a:t>
             </a:fld>
             <a:endParaRPr lang="en-US" dirty="0"/>
           </a:p>
@@ -1551,7 +1551,7 @@
           <a:p>
             <a:fld id="{EDD3DE46-844C-40F1-AAA7-78AD6518D44C}" type="datetime1">
               <a:rPr lang="en-US" smtClean="0"/>
-              <a:t>12/22/2021</a:t>
+              <a:t>12/27/2021</a:t>
             </a:fld>
             <a:endParaRPr lang="en-US" dirty="0"/>
           </a:p>
@@ -1723,7 +1723,7 @@
           <a:p>
             <a:fld id="{1FCF7768-7A83-43C9-9C3D-95CD5F68D7E2}" type="datetime1">
               <a:rPr lang="en-US" smtClean="0"/>
-              <a:t>12/22/2021</a:t>
+              <a:t>12/27/2021</a:t>
             </a:fld>
             <a:endParaRPr lang="en-US" dirty="0"/>
           </a:p>
@@ -2066,7 +2066,7 @@
           <a:p>
             <a:fld id="{58DD30C4-1715-4BC2-976F-EF7BA4DC70B4}" type="datetime1">
               <a:rPr lang="en-US" smtClean="0"/>
-              <a:t>12/22/2021</a:t>
+              <a:t>12/27/2021</a:t>
             </a:fld>
             <a:endParaRPr lang="en-US" dirty="0"/>
           </a:p>
@@ -2341,7 +2341,7 @@
           <a:p>
             <a:fld id="{E92CF10C-564E-48D4-BE3A-05BB93A7F107}" type="datetime1">
               <a:rPr lang="en-US" smtClean="0"/>
-              <a:t>12/22/2021</a:t>
+              <a:t>12/27/2021</a:t>
             </a:fld>
             <a:endParaRPr lang="en-US" dirty="0"/>
           </a:p>
@@ -2720,7 +2720,7 @@
           <a:p>
             <a:fld id="{CEF5B9DB-33AD-46E7-ADFD-C52815BFEA09}" type="datetime1">
               <a:rPr lang="en-US" smtClean="0"/>
-              <a:t>12/22/2021</a:t>
+              <a:t>12/27/2021</a:t>
             </a:fld>
             <a:endParaRPr lang="en-US" dirty="0"/>
           </a:p>
@@ -2838,7 +2838,7 @@
           <a:p>
             <a:fld id="{EFC02824-932F-46A1-8D0D-D52979BEE663}" type="datetime1">
               <a:rPr lang="en-US" smtClean="0"/>
-              <a:t>12/22/2021</a:t>
+              <a:t>12/27/2021</a:t>
             </a:fld>
             <a:endParaRPr lang="en-US" dirty="0"/>
           </a:p>
@@ -3009,7 +3009,7 @@
           <a:p>
             <a:fld id="{36233CB2-1968-4F08-9AB4-83693145DE18}" type="datetime1">
               <a:rPr lang="en-US" smtClean="0"/>
-              <a:t>12/22/2021</a:t>
+              <a:t>12/27/2021</a:t>
             </a:fld>
             <a:endParaRPr lang="en-US" dirty="0"/>
           </a:p>
@@ -3364,7 +3364,7 @@
           <a:p>
             <a:fld id="{F8F6D7E5-1322-4764-A2E4-7B71FFFDE726}" type="datetime1">
               <a:rPr lang="en-US" smtClean="0"/>
-              <a:t>12/22/2021</a:t>
+              <a:t>12/27/2021</a:t>
             </a:fld>
             <a:endParaRPr lang="en-US" dirty="0"/>
           </a:p>
@@ -3742,7 +3742,7 @@
           <a:p>
             <a:fld id="{E26D0A1A-929F-4DC6-9A8A-74A15252C912}" type="datetime1">
               <a:rPr lang="en-US" smtClean="0"/>
-              <a:t>12/22/2021</a:t>
+              <a:t>12/27/2021</a:t>
             </a:fld>
             <a:endParaRPr lang="en-US" dirty="0"/>
           </a:p>
@@ -4029,7 +4029,7 @@
           <a:p>
             <a:fld id="{EDD3DE46-844C-40F1-AAA7-78AD6518D44C}" type="datetime1">
               <a:rPr lang="en-US" smtClean="0"/>
-              <a:t>12/22/2021</a:t>
+              <a:t>12/27/2021</a:t>
             </a:fld>
             <a:endParaRPr lang="en-US" dirty="0"/>
           </a:p>
@@ -5246,8 +5246,16 @@
           <a:lstStyle/>
           <a:p>
             <a:r>
-              <a:rPr lang="it-IT" noProof="0" dirty="0"/>
-              <a:t>perché Robo3T?</a:t>
+              <a:rPr lang="it-IT" dirty="0"/>
+              <a:t>P</a:t>
+            </a:r>
+            <a:r>
+              <a:rPr lang="it-IT" noProof="0" dirty="0" err="1"/>
+              <a:t>erché</a:t>
+            </a:r>
+            <a:r>
+              <a:rPr lang="it-IT" noProof="0" dirty="0"/>
+              <a:t> Robo3T?</a:t>
             </a:r>
           </a:p>
           <a:p>

--- a/slides/05 - E5 - MongoDB Intro.pptx
+++ b/slides/05 - E5 - MongoDB Intro.pptx
@@ -5,7 +5,7 @@
     <p:sldMasterId id="2147483793" r:id="rId1"/>
   </p:sldMasterIdLst>
   <p:notesMasterIdLst>
-    <p:notesMasterId r:id="rId17"/>
+    <p:notesMasterId r:id="rId18"/>
   </p:notesMasterIdLst>
   <p:sldIdLst>
     <p:sldId id="256" r:id="rId2"/>
@@ -19,10 +19,11 @@
     <p:sldId id="264" r:id="rId10"/>
     <p:sldId id="265" r:id="rId11"/>
     <p:sldId id="266" r:id="rId12"/>
-    <p:sldId id="271" r:id="rId13"/>
-    <p:sldId id="272" r:id="rId14"/>
-    <p:sldId id="269" r:id="rId15"/>
-    <p:sldId id="270" r:id="rId16"/>
+    <p:sldId id="273" r:id="rId13"/>
+    <p:sldId id="271" r:id="rId14"/>
+    <p:sldId id="272" r:id="rId15"/>
+    <p:sldId id="269" r:id="rId16"/>
+    <p:sldId id="270" r:id="rId17"/>
   </p:sldIdLst>
   <p:sldSz cx="9144000" cy="6858000" type="screen4x3"/>
   <p:notesSz cx="6858000" cy="9144000"/>
@@ -226,7 +227,7 @@
           <a:p>
             <a:fld id="{8C81D565-392B-4AB9-9647-420EF17AA3FC}" type="datetimeFigureOut">
               <a:rPr lang="it-IT" smtClean="0"/>
-              <a:t>27/12/2021</a:t>
+              <a:t>23/02/2022</a:t>
             </a:fld>
             <a:endParaRPr lang="it-IT" dirty="0"/>
           </a:p>
@@ -1087,7 +1088,7 @@
           <a:p>
             <a:fld id="{65061730-2F0F-4B55-83F4-33856D80FFD7}" type="datetime1">
               <a:rPr lang="en-US" smtClean="0"/>
-              <a:t>12/27/2021</a:t>
+              <a:t>2/23/2022</a:t>
             </a:fld>
             <a:endParaRPr lang="en-US" dirty="0"/>
           </a:p>
@@ -1295,7 +1296,7 @@
           <a:p>
             <a:fld id="{BE1035D6-F845-4530-B289-DD4EC9CAE501}" type="datetime1">
               <a:rPr lang="en-US" smtClean="0"/>
-              <a:t>12/27/2021</a:t>
+              <a:t>2/23/2022</a:t>
             </a:fld>
             <a:endParaRPr lang="en-US" dirty="0"/>
           </a:p>
@@ -1551,7 +1552,7 @@
           <a:p>
             <a:fld id="{EDD3DE46-844C-40F1-AAA7-78AD6518D44C}" type="datetime1">
               <a:rPr lang="en-US" smtClean="0"/>
-              <a:t>12/27/2021</a:t>
+              <a:t>2/23/2022</a:t>
             </a:fld>
             <a:endParaRPr lang="en-US" dirty="0"/>
           </a:p>
@@ -1723,7 +1724,7 @@
           <a:p>
             <a:fld id="{1FCF7768-7A83-43C9-9C3D-95CD5F68D7E2}" type="datetime1">
               <a:rPr lang="en-US" smtClean="0"/>
-              <a:t>12/27/2021</a:t>
+              <a:t>2/23/2022</a:t>
             </a:fld>
             <a:endParaRPr lang="en-US" dirty="0"/>
           </a:p>
@@ -2066,7 +2067,7 @@
           <a:p>
             <a:fld id="{58DD30C4-1715-4BC2-976F-EF7BA4DC70B4}" type="datetime1">
               <a:rPr lang="en-US" smtClean="0"/>
-              <a:t>12/27/2021</a:t>
+              <a:t>2/23/2022</a:t>
             </a:fld>
             <a:endParaRPr lang="en-US" dirty="0"/>
           </a:p>
@@ -2341,7 +2342,7 @@
           <a:p>
             <a:fld id="{E92CF10C-564E-48D4-BE3A-05BB93A7F107}" type="datetime1">
               <a:rPr lang="en-US" smtClean="0"/>
-              <a:t>12/27/2021</a:t>
+              <a:t>2/23/2022</a:t>
             </a:fld>
             <a:endParaRPr lang="en-US" dirty="0"/>
           </a:p>
@@ -2720,7 +2721,7 @@
           <a:p>
             <a:fld id="{CEF5B9DB-33AD-46E7-ADFD-C52815BFEA09}" type="datetime1">
               <a:rPr lang="en-US" smtClean="0"/>
-              <a:t>12/27/2021</a:t>
+              <a:t>2/23/2022</a:t>
             </a:fld>
             <a:endParaRPr lang="en-US" dirty="0"/>
           </a:p>
@@ -2838,7 +2839,7 @@
           <a:p>
             <a:fld id="{EFC02824-932F-46A1-8D0D-D52979BEE663}" type="datetime1">
               <a:rPr lang="en-US" smtClean="0"/>
-              <a:t>12/27/2021</a:t>
+              <a:t>2/23/2022</a:t>
             </a:fld>
             <a:endParaRPr lang="en-US" dirty="0"/>
           </a:p>
@@ -3009,7 +3010,7 @@
           <a:p>
             <a:fld id="{36233CB2-1968-4F08-9AB4-83693145DE18}" type="datetime1">
               <a:rPr lang="en-US" smtClean="0"/>
-              <a:t>12/27/2021</a:t>
+              <a:t>2/23/2022</a:t>
             </a:fld>
             <a:endParaRPr lang="en-US" dirty="0"/>
           </a:p>
@@ -3364,7 +3365,7 @@
           <a:p>
             <a:fld id="{F8F6D7E5-1322-4764-A2E4-7B71FFFDE726}" type="datetime1">
               <a:rPr lang="en-US" smtClean="0"/>
-              <a:t>12/27/2021</a:t>
+              <a:t>2/23/2022</a:t>
             </a:fld>
             <a:endParaRPr lang="en-US" dirty="0"/>
           </a:p>
@@ -3742,7 +3743,7 @@
           <a:p>
             <a:fld id="{E26D0A1A-929F-4DC6-9A8A-74A15252C912}" type="datetime1">
               <a:rPr lang="en-US" smtClean="0"/>
-              <a:t>12/27/2021</a:t>
+              <a:t>2/23/2022</a:t>
             </a:fld>
             <a:endParaRPr lang="en-US" dirty="0"/>
           </a:p>
@@ -4029,7 +4030,7 @@
           <a:p>
             <a:fld id="{EDD3DE46-844C-40F1-AAA7-78AD6518D44C}" type="datetime1">
               <a:rPr lang="en-US" smtClean="0"/>
-              <a:t>12/27/2021</a:t>
+              <a:t>2/23/2022</a:t>
             </a:fld>
             <a:endParaRPr lang="en-US" dirty="0"/>
           </a:p>
@@ -4908,7 +4909,7 @@
 </file>
 
 <file path=ppt/slides/slide10.xml><?xml version="1.0" encoding="utf-8"?>
-<p:sld xmlns:a="http://schemas.openxmlformats.org/drawingml/2006/main" xmlns:r="http://schemas.openxmlformats.org/officeDocument/2006/relationships" xmlns:p="http://schemas.openxmlformats.org/presentationml/2006/main">
+<p:sld xmlns:a="http://schemas.openxmlformats.org/drawingml/2006/main" xmlns:r="http://schemas.openxmlformats.org/officeDocument/2006/relationships" xmlns:p="http://schemas.openxmlformats.org/presentationml/2006/main" show="0">
   <p:cSld>
     <p:spTree>
       <p:nvGrpSpPr>
@@ -5489,159 +5490,40 @@
           <a:p>
             <a:r>
               <a:rPr lang="it-IT" noProof="0" dirty="0"/>
-              <a:t>Database per le esercitazioni</a:t>
-            </a:r>
-          </a:p>
-        </p:txBody>
-      </p:sp>
-      <p:sp>
-        <p:nvSpPr>
-          <p:cNvPr id="3" name="Segnaposto contenuto 2"/>
-          <p:cNvSpPr>
-            <a:spLocks noGrp="1"/>
-          </p:cNvSpPr>
+              <a:t>Connessione via Robo3T</a:t>
+            </a:r>
+          </a:p>
+        </p:txBody>
+      </p:sp>
+      <p:pic>
+        <p:nvPicPr>
+          <p:cNvPr id="8" name="Segnaposto contenuto 7">
+            <a:extLst>
+              <a:ext uri="{FF2B5EF4-FFF2-40B4-BE49-F238E27FC236}">
+                <a16:creationId xmlns:a16="http://schemas.microsoft.com/office/drawing/2014/main" id="{50C94A51-62BD-49CB-A3DA-4666E29D7E6B}"/>
+              </a:ext>
+            </a:extLst>
+          </p:cNvPr>
+          <p:cNvPicPr>
+            <a:picLocks noGrp="1" noChangeAspect="1"/>
+          </p:cNvPicPr>
           <p:nvPr>
             <p:ph idx="1"/>
           </p:nvPr>
-        </p:nvSpPr>
-        <p:spPr/>
-        <p:txBody>
-          <a:bodyPr>
-            <a:normAutofit lnSpcReduction="10000"/>
-          </a:bodyPr>
-          <a:lstStyle/>
-          <a:p>
-            <a:r>
-              <a:rPr lang="it-IT" noProof="0" dirty="0"/>
-              <a:t>Ristoranti</a:t>
-            </a:r>
-          </a:p>
-          <a:p>
-            <a:pPr lvl="1"/>
-            <a:r>
-              <a:rPr lang="it-IT" noProof="0" dirty="0">
-                <a:hlinkClick r:id="rId2"/>
-              </a:rPr>
-              <a:t>https://raw.githubusercontent.com/mongodb/docs-assets/primer-dataset/primer-dataset.json</a:t>
-            </a:r>
-            <a:endParaRPr lang="it-IT" noProof="0" dirty="0"/>
-          </a:p>
-          <a:p>
-            <a:pPr lvl="1"/>
-            <a:r>
-              <a:rPr lang="it-IT" noProof="0" dirty="0"/>
-              <a:t>25359 documenti relativi a ristoranti (nome, indirizzo, tipo di cucina, voti)</a:t>
-            </a:r>
-          </a:p>
-          <a:p>
-            <a:r>
-              <a:rPr lang="it-IT" noProof="0" dirty="0"/>
-              <a:t>Partite NBA</a:t>
-            </a:r>
-          </a:p>
-          <a:p>
-            <a:pPr lvl="1"/>
-            <a:r>
-              <a:rPr lang="it-IT" noProof="0" dirty="0">
-                <a:hlinkClick r:id="rId3"/>
-              </a:rPr>
-              <a:t>http://bit.ly/1gAatZK</a:t>
-            </a:r>
-            <a:endParaRPr lang="it-IT" noProof="0" dirty="0"/>
-          </a:p>
-          <a:p>
-            <a:pPr lvl="1"/>
-            <a:r>
-              <a:rPr lang="it-IT" noProof="0" dirty="0"/>
-              <a:t>31686 documenti relativi a 30 anni di partite dell’NBA (data, rose, statistiche) </a:t>
-            </a:r>
-          </a:p>
-          <a:p>
-            <a:r>
-              <a:rPr lang="it-IT" dirty="0" err="1"/>
-              <a:t>Yelp</a:t>
-            </a:r>
-            <a:endParaRPr lang="it-IT" dirty="0"/>
-          </a:p>
-          <a:p>
-            <a:pPr lvl="1"/>
-            <a:r>
-              <a:rPr lang="it-IT" dirty="0">
-                <a:hlinkClick r:id="rId4"/>
-              </a:rPr>
-              <a:t>https://www.yelp.com/dataset_challenge</a:t>
-            </a:r>
-            <a:endParaRPr lang="it-IT" dirty="0"/>
-          </a:p>
-          <a:p>
-            <a:pPr lvl="1"/>
-            <a:r>
-              <a:rPr lang="it-IT" dirty="0"/>
-              <a:t>Dati reali messi a disposizione della ricerca scientifica</a:t>
-            </a:r>
-          </a:p>
-          <a:p>
-            <a:pPr lvl="2"/>
-            <a:r>
-              <a:rPr lang="it-IT" dirty="0"/>
-              <a:t>Più di 50.000$ distribuiti in competizioni, più di 100 </a:t>
-            </a:r>
-            <a:r>
-              <a:rPr lang="it-IT" dirty="0" err="1"/>
-              <a:t>paper</a:t>
-            </a:r>
-            <a:r>
-              <a:rPr lang="it-IT" dirty="0"/>
-              <a:t> accademici</a:t>
-            </a:r>
-          </a:p>
-          <a:p>
-            <a:r>
-              <a:rPr lang="it-IT" sz="1600" dirty="0" err="1">
-                <a:latin typeface="Courier New" panose="02070309020205020404" pitchFamily="49" charset="0"/>
-                <a:cs typeface="Courier New" panose="02070309020205020404" pitchFamily="49" charset="0"/>
-              </a:rPr>
-              <a:t>mongorestore</a:t>
-            </a:r>
-            <a:r>
-              <a:rPr lang="it-IT" sz="1600" dirty="0">
-                <a:latin typeface="Courier New" panose="02070309020205020404" pitchFamily="49" charset="0"/>
-                <a:cs typeface="Courier New" panose="02070309020205020404" pitchFamily="49" charset="0"/>
-              </a:rPr>
-              <a:t> --</a:t>
-            </a:r>
-            <a:r>
-              <a:rPr lang="it-IT" sz="1600" dirty="0" err="1">
-                <a:latin typeface="Courier New" panose="02070309020205020404" pitchFamily="49" charset="0"/>
-                <a:cs typeface="Courier New" panose="02070309020205020404" pitchFamily="49" charset="0"/>
-              </a:rPr>
-              <a:t>collection</a:t>
-            </a:r>
-            <a:r>
-              <a:rPr lang="it-IT" sz="1600" dirty="0">
-                <a:latin typeface="Courier New" panose="02070309020205020404" pitchFamily="49" charset="0"/>
-                <a:cs typeface="Courier New" panose="02070309020205020404" pitchFamily="49" charset="0"/>
-              </a:rPr>
-              <a:t> games --</a:t>
-            </a:r>
-            <a:r>
-              <a:rPr lang="it-IT" sz="1600" dirty="0" err="1">
-                <a:latin typeface="Courier New" panose="02070309020205020404" pitchFamily="49" charset="0"/>
-                <a:cs typeface="Courier New" panose="02070309020205020404" pitchFamily="49" charset="0"/>
-              </a:rPr>
-              <a:t>db</a:t>
-            </a:r>
-            <a:r>
-              <a:rPr lang="it-IT" sz="1600" dirty="0">
-                <a:latin typeface="Courier New" panose="02070309020205020404" pitchFamily="49" charset="0"/>
-                <a:cs typeface="Courier New" panose="02070309020205020404" pitchFamily="49" charset="0"/>
-              </a:rPr>
-              <a:t> test C:\games.bson</a:t>
-            </a:r>
-            <a:endParaRPr lang="it-IT" sz="1600" dirty="0"/>
-          </a:p>
-        </p:txBody>
-      </p:sp>
+        </p:nvPicPr>
+        <p:blipFill>
+          <a:blip r:embed="rId2"/>
+          <a:stretch>
+            <a:fillRect/>
+          </a:stretch>
+        </p:blipFill>
+        <p:spPr>
+          <a:xfrm>
+            <a:off x="2308381" y="1846263"/>
+            <a:ext cx="4571687" cy="4022725"/>
+          </a:xfrm>
+        </p:spPr>
+      </p:pic>
       <p:sp>
         <p:nvSpPr>
           <p:cNvPr id="4" name="Segnaposto numero diapositiva 3"/>
@@ -5668,7 +5550,7 @@
     </p:spTree>
     <p:extLst>
       <p:ext uri="{BB962C8B-B14F-4D97-AF65-F5344CB8AC3E}">
-        <p14:creationId xmlns:p14="http://schemas.microsoft.com/office/powerpoint/2010/main" val="831999484"/>
+        <p14:creationId xmlns:p14="http://schemas.microsoft.com/office/powerpoint/2010/main" val="222600079"/>
       </p:ext>
     </p:extLst>
   </p:cSld>
@@ -5711,9 +5593,157 @@
           <a:lstStyle/>
           <a:p>
             <a:r>
+              <a:rPr lang="it-IT" noProof="0" dirty="0"/>
+              <a:t>Database per le esercitazioni</a:t>
+            </a:r>
+          </a:p>
+        </p:txBody>
+      </p:sp>
+      <p:sp>
+        <p:nvSpPr>
+          <p:cNvPr id="3" name="Segnaposto contenuto 2"/>
+          <p:cNvSpPr>
+            <a:spLocks noGrp="1"/>
+          </p:cNvSpPr>
+          <p:nvPr>
+            <p:ph idx="1"/>
+          </p:nvPr>
+        </p:nvSpPr>
+        <p:spPr/>
+        <p:txBody>
+          <a:bodyPr>
+            <a:normAutofit lnSpcReduction="10000"/>
+          </a:bodyPr>
+          <a:lstStyle/>
+          <a:p>
+            <a:r>
+              <a:rPr lang="it-IT" noProof="0" dirty="0"/>
+              <a:t>Ristoranti</a:t>
+            </a:r>
+          </a:p>
+          <a:p>
+            <a:pPr lvl="1"/>
+            <a:r>
+              <a:rPr lang="it-IT" noProof="0" dirty="0">
+                <a:hlinkClick r:id="rId2"/>
+              </a:rPr>
+              <a:t>https://raw.githubusercontent.com/mongodb/docs-assets/primer-dataset/primer-dataset.json</a:t>
+            </a:r>
+            <a:endParaRPr lang="it-IT" noProof="0" dirty="0"/>
+          </a:p>
+          <a:p>
+            <a:pPr lvl="1"/>
+            <a:r>
+              <a:rPr lang="it-IT" noProof="0" dirty="0"/>
+              <a:t>25359 documenti relativi a ristoranti (nome, indirizzo, tipo di cucina, voti)</a:t>
+            </a:r>
+          </a:p>
+          <a:p>
+            <a:r>
+              <a:rPr lang="it-IT" noProof="0" dirty="0"/>
+              <a:t>Partite NBA</a:t>
+            </a:r>
+          </a:p>
+          <a:p>
+            <a:pPr lvl="1"/>
+            <a:r>
+              <a:rPr lang="it-IT" noProof="0" dirty="0">
+                <a:hlinkClick r:id="rId3"/>
+              </a:rPr>
+              <a:t>http://bit.ly/1gAatZK</a:t>
+            </a:r>
+            <a:endParaRPr lang="it-IT" noProof="0" dirty="0"/>
+          </a:p>
+          <a:p>
+            <a:pPr lvl="1"/>
+            <a:r>
+              <a:rPr lang="it-IT" noProof="0" dirty="0"/>
+              <a:t>31686 documenti relativi a 30 anni di partite dell’NBA (data, rose, statistiche) </a:t>
+            </a:r>
+          </a:p>
+          <a:p>
+            <a:r>
+              <a:rPr lang="it-IT" dirty="0" err="1"/>
+              <a:t>Yelp</a:t>
+            </a:r>
+            <a:endParaRPr lang="it-IT" dirty="0"/>
+          </a:p>
+          <a:p>
+            <a:pPr lvl="1"/>
+            <a:r>
+              <a:rPr lang="it-IT" dirty="0">
+                <a:hlinkClick r:id="rId4"/>
+              </a:rPr>
+              <a:t>https://www.yelp.com/dataset_challenge</a:t>
+            </a:r>
+            <a:endParaRPr lang="it-IT" dirty="0"/>
+          </a:p>
+          <a:p>
+            <a:pPr lvl="1"/>
+            <a:r>
               <a:rPr lang="it-IT" dirty="0"/>
-              <a:t>Strumenti di import/export</a:t>
-            </a:r>
+              <a:t>Dati reali messi a disposizione della ricerca scientifica</a:t>
+            </a:r>
+          </a:p>
+          <a:p>
+            <a:pPr lvl="2"/>
+            <a:r>
+              <a:rPr lang="it-IT" dirty="0"/>
+              <a:t>Più di 50.000$ distribuiti in competizioni, più di 100 </a:t>
+            </a:r>
+            <a:r>
+              <a:rPr lang="it-IT" dirty="0" err="1"/>
+              <a:t>paper</a:t>
+            </a:r>
+            <a:r>
+              <a:rPr lang="it-IT" dirty="0"/>
+              <a:t> accademici</a:t>
+            </a:r>
+          </a:p>
+          <a:p>
+            <a:r>
+              <a:rPr lang="it-IT" sz="1600" dirty="0" err="1">
+                <a:latin typeface="Courier New" panose="02070309020205020404" pitchFamily="49" charset="0"/>
+                <a:cs typeface="Courier New" panose="02070309020205020404" pitchFamily="49" charset="0"/>
+              </a:rPr>
+              <a:t>mongorestore</a:t>
+            </a:r>
+            <a:r>
+              <a:rPr lang="it-IT" sz="1600" dirty="0">
+                <a:latin typeface="Courier New" panose="02070309020205020404" pitchFamily="49" charset="0"/>
+                <a:cs typeface="Courier New" panose="02070309020205020404" pitchFamily="49" charset="0"/>
+              </a:rPr>
+              <a:t> --</a:t>
+            </a:r>
+            <a:r>
+              <a:rPr lang="it-IT" sz="1600" dirty="0" err="1">
+                <a:latin typeface="Courier New" panose="02070309020205020404" pitchFamily="49" charset="0"/>
+                <a:cs typeface="Courier New" panose="02070309020205020404" pitchFamily="49" charset="0"/>
+              </a:rPr>
+              <a:t>collection</a:t>
+            </a:r>
+            <a:r>
+              <a:rPr lang="it-IT" sz="1600" dirty="0">
+                <a:latin typeface="Courier New" panose="02070309020205020404" pitchFamily="49" charset="0"/>
+                <a:cs typeface="Courier New" panose="02070309020205020404" pitchFamily="49" charset="0"/>
+              </a:rPr>
+              <a:t> games --</a:t>
+            </a:r>
+            <a:r>
+              <a:rPr lang="it-IT" sz="1600" dirty="0" err="1">
+                <a:latin typeface="Courier New" panose="02070309020205020404" pitchFamily="49" charset="0"/>
+                <a:cs typeface="Courier New" panose="02070309020205020404" pitchFamily="49" charset="0"/>
+              </a:rPr>
+              <a:t>db</a:t>
+            </a:r>
+            <a:r>
+              <a:rPr lang="it-IT" sz="1600" dirty="0">
+                <a:latin typeface="Courier New" panose="02070309020205020404" pitchFamily="49" charset="0"/>
+                <a:cs typeface="Courier New" panose="02070309020205020404" pitchFamily="49" charset="0"/>
+              </a:rPr>
+              <a:t> test C:\games.bson</a:t>
+            </a:r>
+            <a:endParaRPr lang="it-IT" sz="1600" dirty="0"/>
           </a:p>
         </p:txBody>
       </p:sp>
@@ -5735,6 +5765,81 @@
             <a:fld id="{629637A9-119A-49DA-BD12-AAC58B377D80}" type="slidenum">
               <a:rPr lang="en-US" smtClean="0"/>
               <a:t>13</a:t>
+            </a:fld>
+            <a:endParaRPr lang="en-US" dirty="0"/>
+          </a:p>
+        </p:txBody>
+      </p:sp>
+    </p:spTree>
+    <p:extLst>
+      <p:ext uri="{BB962C8B-B14F-4D97-AF65-F5344CB8AC3E}">
+        <p14:creationId xmlns:p14="http://schemas.microsoft.com/office/powerpoint/2010/main" val="831999484"/>
+      </p:ext>
+    </p:extLst>
+  </p:cSld>
+  <p:clrMapOvr>
+    <a:masterClrMapping/>
+  </p:clrMapOvr>
+</p:sld>
+</file>
+
+<file path=ppt/slides/slide14.xml><?xml version="1.0" encoding="utf-8"?>
+<p:sld xmlns:a="http://schemas.openxmlformats.org/drawingml/2006/main" xmlns:r="http://schemas.openxmlformats.org/officeDocument/2006/relationships" xmlns:p="http://schemas.openxmlformats.org/presentationml/2006/main">
+  <p:cSld>
+    <p:spTree>
+      <p:nvGrpSpPr>
+        <p:cNvPr id="1" name=""/>
+        <p:cNvGrpSpPr/>
+        <p:nvPr/>
+      </p:nvGrpSpPr>
+      <p:grpSpPr>
+        <a:xfrm>
+          <a:off x="0" y="0"/>
+          <a:ext cx="0" cy="0"/>
+          <a:chOff x="0" y="0"/>
+          <a:chExt cx="0" cy="0"/>
+        </a:xfrm>
+      </p:grpSpPr>
+      <p:sp>
+        <p:nvSpPr>
+          <p:cNvPr id="2" name="Titolo 1"/>
+          <p:cNvSpPr>
+            <a:spLocks noGrp="1"/>
+          </p:cNvSpPr>
+          <p:nvPr>
+            <p:ph type="title"/>
+          </p:nvPr>
+        </p:nvSpPr>
+        <p:spPr/>
+        <p:txBody>
+          <a:bodyPr/>
+          <a:lstStyle/>
+          <a:p>
+            <a:r>
+              <a:rPr lang="it-IT" dirty="0"/>
+              <a:t>Strumenti di import/export</a:t>
+            </a:r>
+          </a:p>
+        </p:txBody>
+      </p:sp>
+      <p:sp>
+        <p:nvSpPr>
+          <p:cNvPr id="4" name="Segnaposto numero diapositiva 3"/>
+          <p:cNvSpPr>
+            <a:spLocks noGrp="1"/>
+          </p:cNvSpPr>
+          <p:nvPr>
+            <p:ph type="sldNum" sz="quarter" idx="12"/>
+          </p:nvPr>
+        </p:nvSpPr>
+        <p:spPr/>
+        <p:txBody>
+          <a:bodyPr/>
+          <a:lstStyle/>
+          <a:p>
+            <a:fld id="{629637A9-119A-49DA-BD12-AAC58B377D80}" type="slidenum">
+              <a:rPr lang="en-US" smtClean="0"/>
+              <a:t>14</a:t>
             </a:fld>
             <a:endParaRPr lang="en-US" dirty="0"/>
           </a:p>
@@ -6248,357 +6353,6 @@
 </p:sld>
 </file>
 
-<file path=ppt/slides/slide14.xml><?xml version="1.0" encoding="utf-8"?>
-<p:sld xmlns:a="http://schemas.openxmlformats.org/drawingml/2006/main" xmlns:r="http://schemas.openxmlformats.org/officeDocument/2006/relationships" xmlns:p="http://schemas.openxmlformats.org/presentationml/2006/main">
-  <p:cSld>
-    <p:spTree>
-      <p:nvGrpSpPr>
-        <p:cNvPr id="1" name=""/>
-        <p:cNvGrpSpPr/>
-        <p:nvPr/>
-      </p:nvGrpSpPr>
-      <p:grpSpPr>
-        <a:xfrm>
-          <a:off x="0" y="0"/>
-          <a:ext cx="0" cy="0"/>
-          <a:chOff x="0" y="0"/>
-          <a:chExt cx="0" cy="0"/>
-        </a:xfrm>
-      </p:grpSpPr>
-      <p:sp>
-        <p:nvSpPr>
-          <p:cNvPr id="2" name="Titolo 1"/>
-          <p:cNvSpPr>
-            <a:spLocks noGrp="1"/>
-          </p:cNvSpPr>
-          <p:nvPr>
-            <p:ph type="title"/>
-          </p:nvPr>
-        </p:nvSpPr>
-        <p:spPr/>
-        <p:txBody>
-          <a:bodyPr/>
-          <a:lstStyle/>
-          <a:p>
-            <a:r>
-              <a:rPr lang="it-IT" noProof="0" dirty="0"/>
-              <a:t>Comandi di base</a:t>
-            </a:r>
-          </a:p>
-        </p:txBody>
-      </p:sp>
-      <p:sp>
-        <p:nvSpPr>
-          <p:cNvPr id="3" name="Segnaposto contenuto 2"/>
-          <p:cNvSpPr>
-            <a:spLocks noGrp="1"/>
-          </p:cNvSpPr>
-          <p:nvPr>
-            <p:ph idx="1"/>
-          </p:nvPr>
-        </p:nvSpPr>
-        <p:spPr/>
-        <p:txBody>
-          <a:bodyPr>
-            <a:normAutofit/>
-          </a:bodyPr>
-          <a:lstStyle/>
-          <a:p>
-            <a:r>
-              <a:rPr lang="it-IT" noProof="0" dirty="0"/>
-              <a:t>La maggior parte dei comandi di </a:t>
-            </a:r>
-            <a:r>
-              <a:rPr lang="it-IT" noProof="0" dirty="0" err="1"/>
-              <a:t>MongoDB</a:t>
-            </a:r>
-            <a:r>
-              <a:rPr lang="it-IT" noProof="0" dirty="0"/>
-              <a:t> sono metodi dell’oggetto </a:t>
-            </a:r>
-            <a:r>
-              <a:rPr lang="it-IT" noProof="0" dirty="0" err="1"/>
-              <a:t>db</a:t>
-            </a:r>
-            <a:endParaRPr lang="it-IT" noProof="0" dirty="0"/>
-          </a:p>
-          <a:p>
-            <a:r>
-              <a:rPr lang="it-IT" noProof="0" dirty="0"/>
-              <a:t>Di base, la </a:t>
-            </a:r>
-            <a:r>
-              <a:rPr lang="it-IT" noProof="0" dirty="0" err="1"/>
-              <a:t>shell</a:t>
-            </a:r>
-            <a:r>
-              <a:rPr lang="it-IT" noProof="0" dirty="0"/>
-              <a:t> si collega al database vuoto </a:t>
-            </a:r>
-            <a:r>
-              <a:rPr lang="it-IT" i="1" noProof="0" dirty="0"/>
-              <a:t>test</a:t>
-            </a:r>
-          </a:p>
-          <a:p>
-            <a:pPr lvl="1"/>
-            <a:r>
-              <a:rPr lang="it-IT" sz="1600" noProof="0" dirty="0" err="1">
-                <a:latin typeface="Courier New" panose="02070309020205020404" pitchFamily="49" charset="0"/>
-                <a:cs typeface="Courier New" panose="02070309020205020404" pitchFamily="49" charset="0"/>
-              </a:rPr>
-              <a:t>db</a:t>
-            </a:r>
-            <a:r>
-              <a:rPr lang="it-IT" sz="1600" noProof="0" dirty="0"/>
-              <a:t> </a:t>
-            </a:r>
-            <a:r>
-              <a:rPr lang="it-IT" noProof="0" dirty="0"/>
-              <a:t>– mostra il nome del database</a:t>
-            </a:r>
-          </a:p>
-          <a:p>
-            <a:pPr lvl="1"/>
-            <a:r>
-              <a:rPr lang="it-IT" sz="1600" noProof="0" dirty="0" err="1">
-                <a:latin typeface="Courier New" panose="02070309020205020404" pitchFamily="49" charset="0"/>
-                <a:cs typeface="Courier New" panose="02070309020205020404" pitchFamily="49" charset="0"/>
-              </a:rPr>
-              <a:t>db</a:t>
-            </a:r>
-            <a:r>
-              <a:rPr lang="it-IT" sz="1600" noProof="0" dirty="0">
-                <a:latin typeface="Courier New" panose="02070309020205020404" pitchFamily="49" charset="0"/>
-                <a:cs typeface="Courier New" panose="02070309020205020404" pitchFamily="49" charset="0"/>
-              </a:rPr>
-              <a:t>.</a:t>
-            </a:r>
-            <a:r>
-              <a:rPr lang="it-IT" noProof="0" dirty="0"/>
-              <a:t> + </a:t>
-            </a:r>
-            <a:r>
-              <a:rPr lang="it-IT" sz="1600" noProof="0" dirty="0" err="1">
-                <a:latin typeface="Courier New" panose="02070309020205020404" pitchFamily="49" charset="0"/>
-                <a:cs typeface="Courier New" panose="02070309020205020404" pitchFamily="49" charset="0"/>
-              </a:rPr>
-              <a:t>tab</a:t>
-            </a:r>
-            <a:r>
-              <a:rPr lang="it-IT" sz="1600" noProof="0" dirty="0"/>
-              <a:t> </a:t>
-            </a:r>
-            <a:r>
-              <a:rPr lang="it-IT" noProof="0" dirty="0"/>
-              <a:t>– mostra i metodi richiamabili</a:t>
-            </a:r>
-          </a:p>
-          <a:p>
-            <a:r>
-              <a:rPr lang="it-IT" noProof="0" dirty="0"/>
-              <a:t>Alcuni esempi</a:t>
-            </a:r>
-          </a:p>
-          <a:p>
-            <a:pPr lvl="1"/>
-            <a:r>
-              <a:rPr lang="it-IT" sz="1600" noProof="0" dirty="0" err="1">
-                <a:latin typeface="Courier New" panose="02070309020205020404" pitchFamily="49" charset="0"/>
-                <a:cs typeface="Courier New" panose="02070309020205020404" pitchFamily="49" charset="0"/>
-              </a:rPr>
-              <a:t>db.getMongo</a:t>
-            </a:r>
-            <a:r>
-              <a:rPr lang="it-IT" sz="1600" noProof="0" dirty="0">
-                <a:latin typeface="Courier New" panose="02070309020205020404" pitchFamily="49" charset="0"/>
-                <a:cs typeface="Courier New" panose="02070309020205020404" pitchFamily="49" charset="0"/>
-              </a:rPr>
-              <a:t>().</a:t>
-            </a:r>
-            <a:r>
-              <a:rPr lang="it-IT" sz="1600" noProof="0" dirty="0" err="1">
-                <a:latin typeface="Courier New" panose="02070309020205020404" pitchFamily="49" charset="0"/>
-                <a:cs typeface="Courier New" panose="02070309020205020404" pitchFamily="49" charset="0"/>
-              </a:rPr>
-              <a:t>getDBs</a:t>
-            </a:r>
-            <a:r>
-              <a:rPr lang="it-IT" sz="1600" noProof="0" dirty="0">
-                <a:latin typeface="Courier New" panose="02070309020205020404" pitchFamily="49" charset="0"/>
-                <a:cs typeface="Courier New" panose="02070309020205020404" pitchFamily="49" charset="0"/>
-              </a:rPr>
-              <a:t>()</a:t>
-            </a:r>
-            <a:r>
-              <a:rPr lang="it-IT" noProof="0" dirty="0"/>
-              <a:t>– mostra i database presenti nell’istanza</a:t>
-            </a:r>
-          </a:p>
-          <a:p>
-            <a:pPr lvl="1"/>
-            <a:r>
-              <a:rPr lang="it-IT" sz="1600" noProof="0" dirty="0" err="1">
-                <a:latin typeface="Courier New" panose="02070309020205020404" pitchFamily="49" charset="0"/>
-                <a:cs typeface="Courier New" panose="02070309020205020404" pitchFamily="49" charset="0"/>
-              </a:rPr>
-              <a:t>db.getCollectionNames</a:t>
-            </a:r>
-            <a:r>
-              <a:rPr lang="it-IT" sz="1600" noProof="0" dirty="0">
-                <a:latin typeface="Courier New" panose="02070309020205020404" pitchFamily="49" charset="0"/>
-                <a:cs typeface="Courier New" panose="02070309020205020404" pitchFamily="49" charset="0"/>
-              </a:rPr>
-              <a:t>()</a:t>
-            </a:r>
-            <a:r>
-              <a:rPr lang="it-IT" noProof="0" dirty="0"/>
-              <a:t> – mostra i nomi delle collezioni nel DB corrente</a:t>
-            </a:r>
-          </a:p>
-          <a:p>
-            <a:pPr lvl="1"/>
-            <a:r>
-              <a:rPr lang="it-IT" sz="1600" noProof="0" dirty="0" err="1">
-                <a:latin typeface="Courier New" panose="02070309020205020404" pitchFamily="49" charset="0"/>
-                <a:cs typeface="Courier New" panose="02070309020205020404" pitchFamily="49" charset="0"/>
-              </a:rPr>
-              <a:t>db.getSisterDB</a:t>
-            </a:r>
-            <a:r>
-              <a:rPr lang="it-IT" sz="1600" noProof="0" dirty="0">
-                <a:latin typeface="Courier New" panose="02070309020205020404" pitchFamily="49" charset="0"/>
-                <a:cs typeface="Courier New" panose="02070309020205020404" pitchFamily="49" charset="0"/>
-              </a:rPr>
-              <a:t>("</a:t>
-            </a:r>
-            <a:r>
-              <a:rPr lang="it-IT" sz="1600" noProof="0" dirty="0" err="1">
-                <a:latin typeface="Courier New" panose="02070309020205020404" pitchFamily="49" charset="0"/>
-                <a:cs typeface="Courier New" panose="02070309020205020404" pitchFamily="49" charset="0"/>
-              </a:rPr>
-              <a:t>foo</a:t>
-            </a:r>
-            <a:r>
-              <a:rPr lang="it-IT" sz="1600" noProof="0" dirty="0">
-                <a:latin typeface="Courier New" panose="02070309020205020404" pitchFamily="49" charset="0"/>
-                <a:cs typeface="Courier New" panose="02070309020205020404" pitchFamily="49" charset="0"/>
-              </a:rPr>
-              <a:t>")</a:t>
-            </a:r>
-            <a:r>
-              <a:rPr lang="it-IT" noProof="0" dirty="0"/>
-              <a:t>– passa al database </a:t>
-            </a:r>
-            <a:r>
-              <a:rPr lang="it-IT" noProof="0" dirty="0" err="1"/>
-              <a:t>foo</a:t>
-            </a:r>
-            <a:endParaRPr lang="it-IT" noProof="0" dirty="0"/>
-          </a:p>
-          <a:p>
-            <a:r>
-              <a:rPr lang="it-IT" noProof="0" dirty="0"/>
-              <a:t>Per lavorare su una collezione:</a:t>
-            </a:r>
-          </a:p>
-          <a:p>
-            <a:pPr lvl="1"/>
-            <a:r>
-              <a:rPr lang="it-IT" sz="1600" noProof="0" dirty="0" err="1">
-                <a:latin typeface="Courier New" panose="02070309020205020404" pitchFamily="49" charset="0"/>
-                <a:cs typeface="Courier New" panose="02070309020205020404" pitchFamily="49" charset="0"/>
-              </a:rPr>
-              <a:t>db</a:t>
-            </a:r>
-            <a:r>
-              <a:rPr lang="it-IT" sz="1600" noProof="0" dirty="0">
-                <a:latin typeface="Courier New" panose="02070309020205020404" pitchFamily="49" charset="0"/>
-                <a:cs typeface="Courier New" panose="02070309020205020404" pitchFamily="49" charset="0"/>
-              </a:rPr>
-              <a:t>.[</a:t>
-            </a:r>
-            <a:r>
-              <a:rPr lang="it-IT" sz="1600" noProof="0" dirty="0" err="1">
-                <a:latin typeface="Courier New" panose="02070309020205020404" pitchFamily="49" charset="0"/>
-                <a:cs typeface="Courier New" panose="02070309020205020404" pitchFamily="49" charset="0"/>
-              </a:rPr>
-              <a:t>collectionName</a:t>
-            </a:r>
-            <a:r>
-              <a:rPr lang="it-IT" sz="1600" noProof="0" dirty="0">
-                <a:latin typeface="Courier New" panose="02070309020205020404" pitchFamily="49" charset="0"/>
-                <a:cs typeface="Courier New" panose="02070309020205020404" pitchFamily="49" charset="0"/>
-              </a:rPr>
-              <a:t>].[</a:t>
-            </a:r>
-            <a:r>
-              <a:rPr lang="it-IT" sz="1600" noProof="0" dirty="0" err="1">
-                <a:latin typeface="Courier New" panose="02070309020205020404" pitchFamily="49" charset="0"/>
-                <a:cs typeface="Courier New" panose="02070309020205020404" pitchFamily="49" charset="0"/>
-              </a:rPr>
-              <a:t>method</a:t>
-            </a:r>
-            <a:r>
-              <a:rPr lang="it-IT" sz="1600" noProof="0" dirty="0">
-                <a:latin typeface="Courier New" panose="02070309020205020404" pitchFamily="49" charset="0"/>
-                <a:cs typeface="Courier New" panose="02070309020205020404" pitchFamily="49" charset="0"/>
-              </a:rPr>
-              <a:t>]([</a:t>
-            </a:r>
-            <a:r>
-              <a:rPr lang="it-IT" sz="1600" noProof="0" dirty="0" err="1">
-                <a:latin typeface="Courier New" panose="02070309020205020404" pitchFamily="49" charset="0"/>
-                <a:cs typeface="Courier New" panose="02070309020205020404" pitchFamily="49" charset="0"/>
-              </a:rPr>
-              <a:t>parameters</a:t>
-            </a:r>
-            <a:r>
-              <a:rPr lang="it-IT" sz="1600" noProof="0" dirty="0">
-                <a:latin typeface="Courier New" panose="02070309020205020404" pitchFamily="49" charset="0"/>
-                <a:cs typeface="Courier New" panose="02070309020205020404" pitchFamily="49" charset="0"/>
-              </a:rPr>
-              <a:t>])</a:t>
-            </a:r>
-          </a:p>
-        </p:txBody>
-      </p:sp>
-      <p:sp>
-        <p:nvSpPr>
-          <p:cNvPr id="4" name="Segnaposto numero diapositiva 3"/>
-          <p:cNvSpPr>
-            <a:spLocks noGrp="1"/>
-          </p:cNvSpPr>
-          <p:nvPr>
-            <p:ph type="sldNum" sz="quarter" idx="12"/>
-          </p:nvPr>
-        </p:nvSpPr>
-        <p:spPr/>
-        <p:txBody>
-          <a:bodyPr/>
-          <a:lstStyle/>
-          <a:p>
-            <a:fld id="{629637A9-119A-49DA-BD12-AAC58B377D80}" type="slidenum">
-              <a:rPr lang="en-US" smtClean="0"/>
-              <a:t>14</a:t>
-            </a:fld>
-            <a:endParaRPr lang="en-US" dirty="0"/>
-          </a:p>
-        </p:txBody>
-      </p:sp>
-    </p:spTree>
-    <p:extLst>
-      <p:ext uri="{BB962C8B-B14F-4D97-AF65-F5344CB8AC3E}">
-        <p14:creationId xmlns:p14="http://schemas.microsoft.com/office/powerpoint/2010/main" val="1388368001"/>
-      </p:ext>
-    </p:extLst>
-  </p:cSld>
-  <p:clrMapOvr>
-    <a:masterClrMapping/>
-  </p:clrMapOvr>
-</p:sld>
-</file>
-
 <file path=ppt/slides/slide15.xml><?xml version="1.0" encoding="utf-8"?>
 <p:sld xmlns:a="http://schemas.openxmlformats.org/drawingml/2006/main" xmlns:r="http://schemas.openxmlformats.org/officeDocument/2006/relationships" xmlns:p="http://schemas.openxmlformats.org/presentationml/2006/main">
   <p:cSld>
@@ -6633,7 +6387,7 @@
           <a:p>
             <a:r>
               <a:rPr lang="it-IT" noProof="0" dirty="0"/>
-              <a:t>Comandi principali</a:t>
+              <a:t>Comandi di base</a:t>
             </a:r>
           </a:p>
         </p:txBody>
@@ -6650,91 +6404,266 @@
         </p:nvSpPr>
         <p:spPr/>
         <p:txBody>
-          <a:bodyPr/>
-          <a:lstStyle/>
-          <a:p>
-            <a:r>
-              <a:rPr lang="it-IT" noProof="0" dirty="0"/>
-              <a:t>Interrogazione dei dati </a:t>
+          <a:bodyPr>
+            <a:normAutofit/>
+          </a:bodyPr>
+          <a:lstStyle/>
+          <a:p>
+            <a:r>
+              <a:rPr lang="it-IT" noProof="0" dirty="0"/>
+              <a:t>La maggior parte dei comandi di </a:t>
+            </a:r>
+            <a:r>
+              <a:rPr lang="it-IT" noProof="0" dirty="0" err="1"/>
+              <a:t>MongoDB</a:t>
+            </a:r>
+            <a:r>
+              <a:rPr lang="it-IT" noProof="0" dirty="0"/>
+              <a:t> sono metodi dell’oggetto </a:t>
+            </a:r>
+            <a:r>
+              <a:rPr lang="it-IT" noProof="0" dirty="0" err="1"/>
+              <a:t>db</a:t>
+            </a:r>
+            <a:endParaRPr lang="it-IT" noProof="0" dirty="0"/>
+          </a:p>
+          <a:p>
+            <a:r>
+              <a:rPr lang="it-IT" noProof="0" dirty="0"/>
+              <a:t>Di base, la </a:t>
+            </a:r>
+            <a:r>
+              <a:rPr lang="it-IT" noProof="0" dirty="0" err="1"/>
+              <a:t>shell</a:t>
+            </a:r>
+            <a:r>
+              <a:rPr lang="it-IT" noProof="0" dirty="0"/>
+              <a:t> si collega al database vuoto </a:t>
+            </a:r>
+            <a:r>
+              <a:rPr lang="it-IT" i="1" noProof="0" dirty="0"/>
+              <a:t>test</a:t>
             </a:r>
           </a:p>
           <a:p>
             <a:pPr lvl="1"/>
             <a:r>
+              <a:rPr lang="it-IT" sz="1600" noProof="0" dirty="0" err="1">
+                <a:latin typeface="Courier New" panose="02070309020205020404" pitchFamily="49" charset="0"/>
+                <a:cs typeface="Courier New" panose="02070309020205020404" pitchFamily="49" charset="0"/>
+              </a:rPr>
+              <a:t>db</a:t>
+            </a:r>
+            <a:r>
+              <a:rPr lang="it-IT" sz="1600" noProof="0" dirty="0"/>
+              <a:t> </a:t>
+            </a:r>
+            <a:r>
+              <a:rPr lang="it-IT" noProof="0" dirty="0"/>
+              <a:t>– mostra il nome del database</a:t>
+            </a:r>
+          </a:p>
+          <a:p>
+            <a:pPr lvl="1"/>
+            <a:r>
+              <a:rPr lang="it-IT" sz="1600" noProof="0" dirty="0" err="1">
+                <a:latin typeface="Courier New" panose="02070309020205020404" pitchFamily="49" charset="0"/>
+                <a:cs typeface="Courier New" panose="02070309020205020404" pitchFamily="49" charset="0"/>
+              </a:rPr>
+              <a:t>db</a:t>
+            </a:r>
+            <a:r>
+              <a:rPr lang="it-IT" sz="1600" noProof="0" dirty="0">
+                <a:latin typeface="Courier New" panose="02070309020205020404" pitchFamily="49" charset="0"/>
+                <a:cs typeface="Courier New" panose="02070309020205020404" pitchFamily="49" charset="0"/>
+              </a:rPr>
+              <a:t>.</a:t>
+            </a:r>
+            <a:r>
+              <a:rPr lang="it-IT" noProof="0" dirty="0"/>
+              <a:t> + </a:t>
+            </a:r>
+            <a:r>
+              <a:rPr lang="it-IT" sz="1600" noProof="0" dirty="0" err="1">
+                <a:latin typeface="Courier New" panose="02070309020205020404" pitchFamily="49" charset="0"/>
+                <a:cs typeface="Courier New" panose="02070309020205020404" pitchFamily="49" charset="0"/>
+              </a:rPr>
+              <a:t>tab</a:t>
+            </a:r>
+            <a:r>
+              <a:rPr lang="it-IT" sz="1600" noProof="0" dirty="0"/>
+              <a:t> </a:t>
+            </a:r>
+            <a:r>
+              <a:rPr lang="it-IT" noProof="0" dirty="0"/>
+              <a:t>– mostra i metodi richiamabili</a:t>
+            </a:r>
+          </a:p>
+          <a:p>
+            <a:r>
+              <a:rPr lang="it-IT" noProof="0" dirty="0"/>
+              <a:t>Alcuni esempi</a:t>
+            </a:r>
+          </a:p>
+          <a:p>
+            <a:pPr lvl="1"/>
+            <a:r>
+              <a:rPr lang="it-IT" sz="1600" noProof="0" dirty="0" err="1">
+                <a:latin typeface="Courier New" panose="02070309020205020404" pitchFamily="49" charset="0"/>
+                <a:cs typeface="Courier New" panose="02070309020205020404" pitchFamily="49" charset="0"/>
+              </a:rPr>
+              <a:t>db.getMongo</a:t>
+            </a:r>
+            <a:r>
+              <a:rPr lang="it-IT" sz="1600" noProof="0" dirty="0">
+                <a:latin typeface="Courier New" panose="02070309020205020404" pitchFamily="49" charset="0"/>
+                <a:cs typeface="Courier New" panose="02070309020205020404" pitchFamily="49" charset="0"/>
+              </a:rPr>
+              <a:t>().</a:t>
+            </a:r>
+            <a:r>
+              <a:rPr lang="it-IT" sz="1600" noProof="0" dirty="0" err="1">
+                <a:latin typeface="Courier New" panose="02070309020205020404" pitchFamily="49" charset="0"/>
+                <a:cs typeface="Courier New" panose="02070309020205020404" pitchFamily="49" charset="0"/>
+              </a:rPr>
+              <a:t>getDBs</a:t>
+            </a:r>
+            <a:r>
+              <a:rPr lang="it-IT" sz="1600" noProof="0" dirty="0">
+                <a:latin typeface="Courier New" panose="02070309020205020404" pitchFamily="49" charset="0"/>
+                <a:cs typeface="Courier New" panose="02070309020205020404" pitchFamily="49" charset="0"/>
+              </a:rPr>
+              <a:t>()</a:t>
+            </a:r>
+            <a:r>
+              <a:rPr lang="it-IT" noProof="0" dirty="0"/>
+              <a:t>– mostra i database presenti nell’istanza</a:t>
+            </a:r>
+          </a:p>
+          <a:p>
+            <a:pPr lvl="1"/>
+            <a:r>
+              <a:rPr lang="it-IT" sz="1600" noProof="0" dirty="0" err="1">
+                <a:latin typeface="Courier New" panose="02070309020205020404" pitchFamily="49" charset="0"/>
+                <a:cs typeface="Courier New" panose="02070309020205020404" pitchFamily="49" charset="0"/>
+              </a:rPr>
+              <a:t>db.getCollectionNames</a:t>
+            </a:r>
+            <a:r>
+              <a:rPr lang="it-IT" sz="1600" noProof="0" dirty="0">
+                <a:latin typeface="Courier New" panose="02070309020205020404" pitchFamily="49" charset="0"/>
+                <a:cs typeface="Courier New" panose="02070309020205020404" pitchFamily="49" charset="0"/>
+              </a:rPr>
+              <a:t>()</a:t>
+            </a:r>
+            <a:r>
+              <a:rPr lang="it-IT" noProof="0" dirty="0"/>
+              <a:t> – mostra i nomi delle collezioni nel DB corrente</a:t>
+            </a:r>
+          </a:p>
+          <a:p>
+            <a:pPr lvl="1"/>
+            <a:r>
+              <a:rPr lang="it-IT" sz="1600" noProof="0" dirty="0" err="1">
+                <a:latin typeface="Courier New" panose="02070309020205020404" pitchFamily="49" charset="0"/>
+                <a:cs typeface="Courier New" panose="02070309020205020404" pitchFamily="49" charset="0"/>
+              </a:rPr>
+              <a:t>db.getSisterDB</a:t>
+            </a:r>
+            <a:r>
+              <a:rPr lang="it-IT" sz="1600" noProof="0" dirty="0">
+                <a:latin typeface="Courier New" panose="02070309020205020404" pitchFamily="49" charset="0"/>
+                <a:cs typeface="Courier New" panose="02070309020205020404" pitchFamily="49" charset="0"/>
+              </a:rPr>
+              <a:t>("</a:t>
+            </a:r>
+            <a:r>
+              <a:rPr lang="it-IT" sz="1600" noProof="0" dirty="0" err="1">
+                <a:latin typeface="Courier New" panose="02070309020205020404" pitchFamily="49" charset="0"/>
+                <a:cs typeface="Courier New" panose="02070309020205020404" pitchFamily="49" charset="0"/>
+              </a:rPr>
+              <a:t>foo</a:t>
+            </a:r>
+            <a:r>
+              <a:rPr lang="it-IT" sz="1600" noProof="0" dirty="0">
+                <a:latin typeface="Courier New" panose="02070309020205020404" pitchFamily="49" charset="0"/>
+                <a:cs typeface="Courier New" panose="02070309020205020404" pitchFamily="49" charset="0"/>
+              </a:rPr>
+              <a:t>")</a:t>
+            </a:r>
+            <a:r>
+              <a:rPr lang="it-IT" noProof="0" dirty="0"/>
+              <a:t>– passa al database </a:t>
+            </a:r>
+            <a:r>
               <a:rPr lang="it-IT" noProof="0" dirty="0" err="1"/>
-              <a:t>Find</a:t>
-            </a:r>
-            <a:r>
-              <a:rPr lang="it-IT" noProof="0" dirty="0"/>
-              <a:t>, </a:t>
-            </a:r>
-            <a:r>
-              <a:rPr lang="it-IT" noProof="0" dirty="0" err="1"/>
-              <a:t>FindOne</a:t>
-            </a:r>
-            <a:r>
-              <a:rPr lang="it-IT" noProof="0" dirty="0"/>
-              <a:t> – modalità semplici per effettuare letture con proiezioni e selezioni</a:t>
+              <a:t>foo</a:t>
+            </a:r>
+            <a:endParaRPr lang="it-IT" noProof="0" dirty="0"/>
+          </a:p>
+          <a:p>
+            <a:r>
+              <a:rPr lang="it-IT" noProof="0" dirty="0"/>
+              <a:t>Per lavorare su una collezione:</a:t>
             </a:r>
           </a:p>
           <a:p>
             <a:pPr lvl="1"/>
             <a:r>
-              <a:rPr lang="it-IT" dirty="0" err="1"/>
-              <a:t>Count</a:t>
-            </a:r>
-            <a:r>
-              <a:rPr lang="it-IT" dirty="0"/>
-              <a:t>, </a:t>
-            </a:r>
-            <a:r>
-              <a:rPr lang="it-IT" dirty="0" err="1"/>
-              <a:t>Distinct</a:t>
-            </a:r>
-            <a:r>
-              <a:rPr lang="it-IT" dirty="0"/>
-              <a:t> – modalità semplici per effettuare aggregazioni di dati</a:t>
-            </a:r>
-            <a:endParaRPr lang="it-IT" noProof="0" dirty="0"/>
-          </a:p>
-          <a:p>
-            <a:pPr lvl="1"/>
-            <a:r>
-              <a:rPr lang="it-IT" noProof="0" dirty="0"/>
-              <a:t>Aggregate – modalità avanzata per effettuare aggregazioni di dati attraverso la concatenazioni di operazioni più semplici (match, </a:t>
-            </a:r>
-            <a:r>
-              <a:rPr lang="it-IT" noProof="0" dirty="0" err="1"/>
-              <a:t>unfold</a:t>
-            </a:r>
-            <a:r>
-              <a:rPr lang="it-IT" noProof="0" dirty="0"/>
-              <a:t>, </a:t>
-            </a:r>
-            <a:r>
-              <a:rPr lang="it-IT" noProof="0" dirty="0" err="1"/>
-              <a:t>group</a:t>
-            </a:r>
-            <a:r>
-              <a:rPr lang="it-IT" noProof="0" dirty="0"/>
-              <a:t>, ecc.)</a:t>
-            </a:r>
-          </a:p>
-          <a:p>
-            <a:r>
-              <a:rPr lang="it-IT" noProof="0" dirty="0"/>
-              <a:t>Modifica dei dati</a:t>
-            </a:r>
-          </a:p>
-          <a:p>
-            <a:pPr lvl="1"/>
-            <a:r>
-              <a:rPr lang="it-IT" noProof="0" dirty="0" err="1"/>
-              <a:t>Insert</a:t>
-            </a:r>
-            <a:r>
-              <a:rPr lang="it-IT" noProof="0" dirty="0"/>
-              <a:t>, Delete, Update</a:t>
+              <a:rPr lang="it-IT" sz="1600" noProof="0" dirty="0" err="1">
+                <a:latin typeface="Courier New" panose="02070309020205020404" pitchFamily="49" charset="0"/>
+                <a:cs typeface="Courier New" panose="02070309020205020404" pitchFamily="49" charset="0"/>
+              </a:rPr>
+              <a:t>db</a:t>
+            </a:r>
+            <a:r>
+              <a:rPr lang="it-IT" sz="1600" noProof="0" dirty="0">
+                <a:latin typeface="Courier New" panose="02070309020205020404" pitchFamily="49" charset="0"/>
+                <a:cs typeface="Courier New" panose="02070309020205020404" pitchFamily="49" charset="0"/>
+              </a:rPr>
+              <a:t>.[</a:t>
+            </a:r>
+            <a:r>
+              <a:rPr lang="it-IT" sz="1600" noProof="0" dirty="0" err="1">
+                <a:latin typeface="Courier New" panose="02070309020205020404" pitchFamily="49" charset="0"/>
+                <a:cs typeface="Courier New" panose="02070309020205020404" pitchFamily="49" charset="0"/>
+              </a:rPr>
+              <a:t>collectionName</a:t>
+            </a:r>
+            <a:r>
+              <a:rPr lang="it-IT" sz="1600" noProof="0" dirty="0">
+                <a:latin typeface="Courier New" panose="02070309020205020404" pitchFamily="49" charset="0"/>
+                <a:cs typeface="Courier New" panose="02070309020205020404" pitchFamily="49" charset="0"/>
+              </a:rPr>
+              <a:t>].[</a:t>
+            </a:r>
+            <a:r>
+              <a:rPr lang="it-IT" sz="1600" noProof="0" dirty="0" err="1">
+                <a:latin typeface="Courier New" panose="02070309020205020404" pitchFamily="49" charset="0"/>
+                <a:cs typeface="Courier New" panose="02070309020205020404" pitchFamily="49" charset="0"/>
+              </a:rPr>
+              <a:t>method</a:t>
+            </a:r>
+            <a:r>
+              <a:rPr lang="it-IT" sz="1600" noProof="0" dirty="0">
+                <a:latin typeface="Courier New" panose="02070309020205020404" pitchFamily="49" charset="0"/>
+                <a:cs typeface="Courier New" panose="02070309020205020404" pitchFamily="49" charset="0"/>
+              </a:rPr>
+              <a:t>]([</a:t>
+            </a:r>
+            <a:r>
+              <a:rPr lang="it-IT" sz="1600" noProof="0" dirty="0" err="1">
+                <a:latin typeface="Courier New" panose="02070309020205020404" pitchFamily="49" charset="0"/>
+                <a:cs typeface="Courier New" panose="02070309020205020404" pitchFamily="49" charset="0"/>
+              </a:rPr>
+              <a:t>parameters</a:t>
+            </a:r>
+            <a:r>
+              <a:rPr lang="it-IT" sz="1600" noProof="0" dirty="0">
+                <a:latin typeface="Courier New" panose="02070309020205020404" pitchFamily="49" charset="0"/>
+                <a:cs typeface="Courier New" panose="02070309020205020404" pitchFamily="49" charset="0"/>
+              </a:rPr>
+              <a:t>])</a:t>
             </a:r>
           </a:p>
         </p:txBody>
@@ -6757,6 +6686,182 @@
             <a:fld id="{629637A9-119A-49DA-BD12-AAC58B377D80}" type="slidenum">
               <a:rPr lang="en-US" smtClean="0"/>
               <a:t>15</a:t>
+            </a:fld>
+            <a:endParaRPr lang="en-US" dirty="0"/>
+          </a:p>
+        </p:txBody>
+      </p:sp>
+    </p:spTree>
+    <p:extLst>
+      <p:ext uri="{BB962C8B-B14F-4D97-AF65-F5344CB8AC3E}">
+        <p14:creationId xmlns:p14="http://schemas.microsoft.com/office/powerpoint/2010/main" val="1388368001"/>
+      </p:ext>
+    </p:extLst>
+  </p:cSld>
+  <p:clrMapOvr>
+    <a:masterClrMapping/>
+  </p:clrMapOvr>
+</p:sld>
+</file>
+
+<file path=ppt/slides/slide16.xml><?xml version="1.0" encoding="utf-8"?>
+<p:sld xmlns:a="http://schemas.openxmlformats.org/drawingml/2006/main" xmlns:r="http://schemas.openxmlformats.org/officeDocument/2006/relationships" xmlns:p="http://schemas.openxmlformats.org/presentationml/2006/main">
+  <p:cSld>
+    <p:spTree>
+      <p:nvGrpSpPr>
+        <p:cNvPr id="1" name=""/>
+        <p:cNvGrpSpPr/>
+        <p:nvPr/>
+      </p:nvGrpSpPr>
+      <p:grpSpPr>
+        <a:xfrm>
+          <a:off x="0" y="0"/>
+          <a:ext cx="0" cy="0"/>
+          <a:chOff x="0" y="0"/>
+          <a:chExt cx="0" cy="0"/>
+        </a:xfrm>
+      </p:grpSpPr>
+      <p:sp>
+        <p:nvSpPr>
+          <p:cNvPr id="2" name="Titolo 1"/>
+          <p:cNvSpPr>
+            <a:spLocks noGrp="1"/>
+          </p:cNvSpPr>
+          <p:nvPr>
+            <p:ph type="title"/>
+          </p:nvPr>
+        </p:nvSpPr>
+        <p:spPr/>
+        <p:txBody>
+          <a:bodyPr/>
+          <a:lstStyle/>
+          <a:p>
+            <a:r>
+              <a:rPr lang="it-IT" noProof="0" dirty="0"/>
+              <a:t>Comandi principali</a:t>
+            </a:r>
+          </a:p>
+        </p:txBody>
+      </p:sp>
+      <p:sp>
+        <p:nvSpPr>
+          <p:cNvPr id="3" name="Segnaposto contenuto 2"/>
+          <p:cNvSpPr>
+            <a:spLocks noGrp="1"/>
+          </p:cNvSpPr>
+          <p:nvPr>
+            <p:ph idx="1"/>
+          </p:nvPr>
+        </p:nvSpPr>
+        <p:spPr/>
+        <p:txBody>
+          <a:bodyPr/>
+          <a:lstStyle/>
+          <a:p>
+            <a:r>
+              <a:rPr lang="it-IT" noProof="0" dirty="0"/>
+              <a:t>Interrogazione dei dati </a:t>
+            </a:r>
+          </a:p>
+          <a:p>
+            <a:pPr lvl="1"/>
+            <a:r>
+              <a:rPr lang="it-IT" noProof="0" dirty="0" err="1"/>
+              <a:t>Find</a:t>
+            </a:r>
+            <a:r>
+              <a:rPr lang="it-IT" noProof="0" dirty="0"/>
+              <a:t>, </a:t>
+            </a:r>
+            <a:r>
+              <a:rPr lang="it-IT" noProof="0" dirty="0" err="1"/>
+              <a:t>FindOne</a:t>
+            </a:r>
+            <a:r>
+              <a:rPr lang="it-IT" noProof="0" dirty="0"/>
+              <a:t> – modalità semplici per effettuare letture con proiezioni e selezioni</a:t>
+            </a:r>
+          </a:p>
+          <a:p>
+            <a:pPr lvl="1"/>
+            <a:r>
+              <a:rPr lang="it-IT" dirty="0" err="1"/>
+              <a:t>Count</a:t>
+            </a:r>
+            <a:r>
+              <a:rPr lang="it-IT" dirty="0"/>
+              <a:t>, </a:t>
+            </a:r>
+            <a:r>
+              <a:rPr lang="it-IT" dirty="0" err="1"/>
+              <a:t>Distinct</a:t>
+            </a:r>
+            <a:r>
+              <a:rPr lang="it-IT" dirty="0"/>
+              <a:t> – modalità semplici per effettuare aggregazioni di dati</a:t>
+            </a:r>
+            <a:endParaRPr lang="it-IT" noProof="0" dirty="0"/>
+          </a:p>
+          <a:p>
+            <a:pPr lvl="1"/>
+            <a:r>
+              <a:rPr lang="it-IT" noProof="0" dirty="0"/>
+              <a:t>Aggregate – modalità avanzata per effettuare aggregazioni di dati attraverso la concatenazioni di operazioni più semplici (match, </a:t>
+            </a:r>
+            <a:r>
+              <a:rPr lang="it-IT" noProof="0" dirty="0" err="1"/>
+              <a:t>unfold</a:t>
+            </a:r>
+            <a:r>
+              <a:rPr lang="it-IT" noProof="0" dirty="0"/>
+              <a:t>, </a:t>
+            </a:r>
+            <a:r>
+              <a:rPr lang="it-IT" noProof="0" dirty="0" err="1"/>
+              <a:t>group</a:t>
+            </a:r>
+            <a:r>
+              <a:rPr lang="it-IT" noProof="0" dirty="0"/>
+              <a:t>, ecc.)</a:t>
+            </a:r>
+          </a:p>
+          <a:p>
+            <a:r>
+              <a:rPr lang="it-IT" noProof="0" dirty="0"/>
+              <a:t>Modifica dei dati</a:t>
+            </a:r>
+          </a:p>
+          <a:p>
+            <a:pPr lvl="1"/>
+            <a:r>
+              <a:rPr lang="it-IT" noProof="0" dirty="0" err="1"/>
+              <a:t>Insert</a:t>
+            </a:r>
+            <a:r>
+              <a:rPr lang="it-IT" noProof="0" dirty="0"/>
+              <a:t>, Delete, Update</a:t>
+            </a:r>
+          </a:p>
+        </p:txBody>
+      </p:sp>
+      <p:sp>
+        <p:nvSpPr>
+          <p:cNvPr id="4" name="Segnaposto numero diapositiva 3"/>
+          <p:cNvSpPr>
+            <a:spLocks noGrp="1"/>
+          </p:cNvSpPr>
+          <p:nvPr>
+            <p:ph type="sldNum" sz="quarter" idx="12"/>
+          </p:nvPr>
+        </p:nvSpPr>
+        <p:spPr/>
+        <p:txBody>
+          <a:bodyPr/>
+          <a:lstStyle/>
+          <a:p>
+            <a:fld id="{629637A9-119A-49DA-BD12-AAC58B377D80}" type="slidenum">
+              <a:rPr lang="en-US" smtClean="0"/>
+              <a:t>16</a:t>
             </a:fld>
             <a:endParaRPr lang="en-US" dirty="0"/>
           </a:p>
